--- a/STMETRE_FernandezPobleteSanPedroTan_Presentation_v3.pptx
+++ b/STMETRE_FernandezPobleteSanPedroTan_Presentation_v3.pptx
@@ -15305,19 +15305,19 @@
             </a:r>
             <a:r>
               <a:rPr lang="en-US" smtClean="0"/>
-              <a:t>:         MS</a:t>
+              <a:t>:         </a:t>
+            </a:r>
+            <a:r>
+              <a:rPr lang="en-US" smtClean="0"/>
+              <a:t>Charibeth</a:t>
             </a:r>
             <a:r>
               <a:rPr lang="en-US" dirty="0" smtClean="0"/>
-              <a:t>. </a:t>
-            </a:r>
-            <a:r>
-              <a:rPr lang="en-US" dirty="0" err="1" smtClean="0"/>
-              <a:t>Charibeth</a:t>
+              <a:t> </a:t>
             </a:r>
             <a:r>
               <a:rPr lang="en-US" dirty="0" smtClean="0"/>
-              <a:t> K. Cheng</a:t>
+              <a:t>K. Cheng</a:t>
             </a:r>
             <a:endParaRPr lang="en-US" dirty="0"/>
           </a:p>
